--- a/Blue Wave Fitness.pptx
+++ b/Blue Wave Fitness.pptx
@@ -5094,9 +5094,10 @@
           <a:p>
             <a:pPr lvl="1"/>
             <a:r>
-              <a:rPr lang="en-US" dirty="0"/>
-              <a:t>ORM</a:t>
-            </a:r>
+              <a:rPr lang="en-US"/>
+              <a:t>Sequelize</a:t>
+            </a:r>
+            <a:endParaRPr lang="en-US" dirty="0"/>
           </a:p>
           <a:p>
             <a:pPr lvl="1"/>

--- a/Blue Wave Fitness.pptx
+++ b/Blue Wave Fitness.pptx
@@ -4007,9 +4007,10 @@
           <a:p>
             <a:pPr lvl="1"/>
             <a:r>
-              <a:rPr lang="en-US" dirty="0"/>
-              <a:t>Failures</a:t>
-            </a:r>
+              <a:rPr lang="en-US"/>
+              <a:t>Issues</a:t>
+            </a:r>
+            <a:endParaRPr lang="en-US" dirty="0"/>
           </a:p>
           <a:p>
             <a:pPr lvl="1"/>
@@ -5094,7 +5095,7 @@
           <a:p>
             <a:pPr lvl="1"/>
             <a:r>
-              <a:rPr lang="en-US"/>
+              <a:rPr lang="en-US" dirty="0" err="1"/>
               <a:t>Sequelize</a:t>
             </a:r>
             <a:endParaRPr lang="en-US" dirty="0"/>
